--- a/Image/conv.pptx
+++ b/Image/conv.pptx
@@ -197,7 +197,7 @@
           <a:p>
             <a:fld id="{4CB4D359-24C4-4E65-98B0-DECC1DE437A6}" type="datetimeFigureOut">
               <a:rPr lang="fr-FR" smtClean="0"/>
-              <a:t>08/07/2020</a:t>
+              <a:t>13/08/2020</a:t>
             </a:fld>
             <a:endParaRPr lang="fr-FR"/>
           </a:p>
@@ -695,7 +695,7 @@
           <a:p>
             <a:fld id="{D648374F-9B7A-4F9B-B1AF-3F8221360111}" type="datetimeFigureOut">
               <a:rPr lang="fr-FR" smtClean="0"/>
-              <a:t>08/07/2020</a:t>
+              <a:t>13/08/2020</a:t>
             </a:fld>
             <a:endParaRPr lang="fr-FR"/>
           </a:p>
@@ -893,7 +893,7 @@
           <a:p>
             <a:fld id="{D648374F-9B7A-4F9B-B1AF-3F8221360111}" type="datetimeFigureOut">
               <a:rPr lang="fr-FR" smtClean="0"/>
-              <a:t>08/07/2020</a:t>
+              <a:t>13/08/2020</a:t>
             </a:fld>
             <a:endParaRPr lang="fr-FR"/>
           </a:p>
@@ -1101,7 +1101,7 @@
           <a:p>
             <a:fld id="{D648374F-9B7A-4F9B-B1AF-3F8221360111}" type="datetimeFigureOut">
               <a:rPr lang="fr-FR" smtClean="0"/>
-              <a:t>08/07/2020</a:t>
+              <a:t>13/08/2020</a:t>
             </a:fld>
             <a:endParaRPr lang="fr-FR"/>
           </a:p>
@@ -1299,7 +1299,7 @@
           <a:p>
             <a:fld id="{D648374F-9B7A-4F9B-B1AF-3F8221360111}" type="datetimeFigureOut">
               <a:rPr lang="fr-FR" smtClean="0"/>
-              <a:t>08/07/2020</a:t>
+              <a:t>13/08/2020</a:t>
             </a:fld>
             <a:endParaRPr lang="fr-FR"/>
           </a:p>
@@ -1574,7 +1574,7 @@
           <a:p>
             <a:fld id="{D648374F-9B7A-4F9B-B1AF-3F8221360111}" type="datetimeFigureOut">
               <a:rPr lang="fr-FR" smtClean="0"/>
-              <a:t>08/07/2020</a:t>
+              <a:t>13/08/2020</a:t>
             </a:fld>
             <a:endParaRPr lang="fr-FR"/>
           </a:p>
@@ -1839,7 +1839,7 @@
           <a:p>
             <a:fld id="{D648374F-9B7A-4F9B-B1AF-3F8221360111}" type="datetimeFigureOut">
               <a:rPr lang="fr-FR" smtClean="0"/>
-              <a:t>08/07/2020</a:t>
+              <a:t>13/08/2020</a:t>
             </a:fld>
             <a:endParaRPr lang="fr-FR"/>
           </a:p>
@@ -2251,7 +2251,7 @@
           <a:p>
             <a:fld id="{D648374F-9B7A-4F9B-B1AF-3F8221360111}" type="datetimeFigureOut">
               <a:rPr lang="fr-FR" smtClean="0"/>
-              <a:t>08/07/2020</a:t>
+              <a:t>13/08/2020</a:t>
             </a:fld>
             <a:endParaRPr lang="fr-FR"/>
           </a:p>
@@ -2392,7 +2392,7 @@
           <a:p>
             <a:fld id="{D648374F-9B7A-4F9B-B1AF-3F8221360111}" type="datetimeFigureOut">
               <a:rPr lang="fr-FR" smtClean="0"/>
-              <a:t>08/07/2020</a:t>
+              <a:t>13/08/2020</a:t>
             </a:fld>
             <a:endParaRPr lang="fr-FR"/>
           </a:p>
@@ -2505,7 +2505,7 @@
           <a:p>
             <a:fld id="{D648374F-9B7A-4F9B-B1AF-3F8221360111}" type="datetimeFigureOut">
               <a:rPr lang="fr-FR" smtClean="0"/>
-              <a:t>08/07/2020</a:t>
+              <a:t>13/08/2020</a:t>
             </a:fld>
             <a:endParaRPr lang="fr-FR"/>
           </a:p>
@@ -2816,7 +2816,7 @@
           <a:p>
             <a:fld id="{D648374F-9B7A-4F9B-B1AF-3F8221360111}" type="datetimeFigureOut">
               <a:rPr lang="fr-FR" smtClean="0"/>
-              <a:t>08/07/2020</a:t>
+              <a:t>13/08/2020</a:t>
             </a:fld>
             <a:endParaRPr lang="fr-FR"/>
           </a:p>
@@ -3104,7 +3104,7 @@
           <a:p>
             <a:fld id="{D648374F-9B7A-4F9B-B1AF-3F8221360111}" type="datetimeFigureOut">
               <a:rPr lang="fr-FR" smtClean="0"/>
-              <a:t>08/07/2020</a:t>
+              <a:t>13/08/2020</a:t>
             </a:fld>
             <a:endParaRPr lang="fr-FR"/>
           </a:p>
@@ -3345,7 +3345,7 @@
           <a:p>
             <a:fld id="{D648374F-9B7A-4F9B-B1AF-3F8221360111}" type="datetimeFigureOut">
               <a:rPr lang="fr-FR" smtClean="0"/>
-              <a:t>08/07/2020</a:t>
+              <a:t>13/08/2020</a:t>
             </a:fld>
             <a:endParaRPr lang="fr-FR"/>
           </a:p>
@@ -3831,15 +3831,15 @@
         </p:spPr>
         <p:style>
           <a:lnRef idx="2">
-            <a:schemeClr val="accent1">
+            <a:schemeClr val="dk1">
               <a:shade val="50000"/>
             </a:schemeClr>
           </a:lnRef>
           <a:fillRef idx="1">
-            <a:schemeClr val="accent1"/>
+            <a:schemeClr val="dk1"/>
           </a:fillRef>
           <a:effectRef idx="0">
-            <a:schemeClr val="accent1"/>
+            <a:schemeClr val="dk1"/>
           </a:effectRef>
           <a:fontRef idx="minor">
             <a:schemeClr val="lt1"/>
@@ -4244,7 +4244,7 @@
         </p:nvSpPr>
         <p:spPr>
           <a:xfrm>
-            <a:off x="471507" y="2702481"/>
+            <a:off x="471507" y="2693603"/>
             <a:ext cx="252000" cy="252000"/>
           </a:xfrm>
           <a:prstGeom prst="cube">
@@ -5026,7 +5026,7 @@
         </p:nvSpPr>
         <p:spPr>
           <a:xfrm>
-            <a:off x="646446" y="2700814"/>
+            <a:off x="646446" y="2691936"/>
             <a:ext cx="252000" cy="252000"/>
           </a:xfrm>
           <a:prstGeom prst="cube">
@@ -8203,91 +8203,6 @@
           </a:fontRef>
         </p:style>
       </p:cxnSp>
-      <p:cxnSp>
-        <p:nvCxnSpPr>
-          <p:cNvPr id="123" name="Connecteur droit avec flèche 122">
-            <a:extLst>
-              <a:ext uri="{FF2B5EF4-FFF2-40B4-BE49-F238E27FC236}">
-                <a16:creationId xmlns:a16="http://schemas.microsoft.com/office/drawing/2014/main" id="{38C2EF21-AD74-4EA1-8F06-F24719BB5CEA}"/>
-              </a:ext>
-            </a:extLst>
-          </p:cNvPr>
-          <p:cNvCxnSpPr>
-            <a:cxnSpLocks/>
-            <a:stCxn id="7" idx="5"/>
-            <a:endCxn id="92" idx="2"/>
-          </p:cNvCxnSpPr>
-          <p:nvPr/>
-        </p:nvCxnSpPr>
-        <p:spPr>
-          <a:xfrm flipV="1">
-            <a:off x="1083966" y="2159689"/>
-            <a:ext cx="2605873" cy="444696"/>
-          </a:xfrm>
-          <a:prstGeom prst="straightConnector1">
-            <a:avLst/>
-          </a:prstGeom>
-          <a:ln>
-            <a:tailEnd type="triangle"/>
-          </a:ln>
-        </p:spPr>
-        <p:style>
-          <a:lnRef idx="1">
-            <a:schemeClr val="accent1"/>
-          </a:lnRef>
-          <a:fillRef idx="0">
-            <a:schemeClr val="accent1"/>
-          </a:fillRef>
-          <a:effectRef idx="0">
-            <a:schemeClr val="accent1"/>
-          </a:effectRef>
-          <a:fontRef idx="minor">
-            <a:schemeClr val="tx1"/>
-          </a:fontRef>
-        </p:style>
-      </p:cxnSp>
-      <p:cxnSp>
-        <p:nvCxnSpPr>
-          <p:cNvPr id="125" name="Connecteur droit avec flèche 124">
-            <a:extLst>
-              <a:ext uri="{FF2B5EF4-FFF2-40B4-BE49-F238E27FC236}">
-                <a16:creationId xmlns:a16="http://schemas.microsoft.com/office/drawing/2014/main" id="{2A71F1B9-52D1-43DE-8FD0-815D2FCCA7A4}"/>
-              </a:ext>
-            </a:extLst>
-          </p:cNvPr>
-          <p:cNvCxnSpPr>
-            <a:cxnSpLocks/>
-            <a:endCxn id="65" idx="2"/>
-          </p:cNvCxnSpPr>
-          <p:nvPr/>
-        </p:nvCxnSpPr>
-        <p:spPr>
-          <a:xfrm>
-            <a:off x="1097727" y="2604385"/>
-            <a:ext cx="2590338" cy="1188111"/>
-          </a:xfrm>
-          <a:prstGeom prst="straightConnector1">
-            <a:avLst/>
-          </a:prstGeom>
-          <a:ln>
-            <a:tailEnd type="triangle"/>
-          </a:ln>
-        </p:spPr>
-        <p:style>
-          <a:lnRef idx="1">
-            <a:schemeClr val="accent1"/>
-          </a:lnRef>
-          <a:fillRef idx="0">
-            <a:schemeClr val="accent1"/>
-          </a:fillRef>
-          <a:effectRef idx="0">
-            <a:schemeClr val="accent1"/>
-          </a:effectRef>
-          <a:fontRef idx="minor">
-            <a:schemeClr val="tx1"/>
-          </a:fontRef>
-        </p:style>
-      </p:cxnSp>
       <p:sp>
         <p:nvSpPr>
           <p:cNvPr id="128" name="ZoneTexte 127">
@@ -8467,8 +8382,8 @@
             <a:chExt cx="216000" cy="369332"/>
           </a:xfrm>
         </p:grpSpPr>
-        <mc:AlternateContent xmlns:mc="http://schemas.openxmlformats.org/markup-compatibility/2006">
-          <mc:Choice xmlns:a14="http://schemas.microsoft.com/office/drawing/2010/main" Requires="a14">
+        <mc:AlternateContent xmlns:mc="http://schemas.openxmlformats.org/markup-compatibility/2006" xmlns:a14="http://schemas.microsoft.com/office/drawing/2010/main">
+          <mc:Choice Requires="a14">
             <p:sp>
               <p:nvSpPr>
                 <p:cNvPr id="2" name="ZoneTexte 1">
@@ -8497,6 +8412,7 @@
                 </a:bodyPr>
                 <a:lstStyle/>
                 <a:p>
+                  <a:pPr/>
                   <a14:m>
                     <m:oMathPara xmlns:m="http://schemas.openxmlformats.org/officeDocument/2006/math">
                       <m:oMathParaPr>
@@ -8517,7 +8433,7 @@
               </p:txBody>
             </p:sp>
           </mc:Choice>
-          <mc:Fallback>
+          <mc:Fallback xmlns="">
             <p:sp>
               <p:nvSpPr>
                 <p:cNvPr id="2" name="ZoneTexte 1">
